--- a/ressources/diapo projet.pptx
+++ b/ressources/diapo projet.pptx
@@ -5,7 +5,7 @@
     <p:sldMasterId id="2147483660" r:id="rId1"/>
   </p:sldMasterIdLst>
   <p:notesMasterIdLst>
-    <p:notesMasterId r:id="rId12"/>
+    <p:notesMasterId r:id="rId16"/>
   </p:notesMasterIdLst>
   <p:sldIdLst>
     <p:sldId id="256" r:id="rId2"/>
@@ -13,11 +13,15 @@
     <p:sldId id="269" r:id="rId4"/>
     <p:sldId id="270" r:id="rId5"/>
     <p:sldId id="266" r:id="rId6"/>
-    <p:sldId id="267" r:id="rId7"/>
+    <p:sldId id="273" r:id="rId7"/>
     <p:sldId id="268" r:id="rId8"/>
     <p:sldId id="265" r:id="rId9"/>
     <p:sldId id="272" r:id="rId10"/>
-    <p:sldId id="263" r:id="rId11"/>
+    <p:sldId id="274" r:id="rId11"/>
+    <p:sldId id="275" r:id="rId12"/>
+    <p:sldId id="276" r:id="rId13"/>
+    <p:sldId id="277" r:id="rId14"/>
+    <p:sldId id="278" r:id="rId15"/>
   </p:sldIdLst>
   <p:sldSz cx="12192000" cy="6858000"/>
   <p:notesSz cx="6858000" cy="9144000"/>
@@ -6447,41 +6451,12 @@
           <a:chExt cx="0" cy="0"/>
         </a:xfrm>
       </p:grpSpPr>
-      <p:sp>
-        <p:nvSpPr>
-          <p:cNvPr id="2" name="Titre 1">
+      <p:pic>
+        <p:nvPicPr>
+          <p:cNvPr id="3" name="Image 2">
             <a:extLst>
               <a:ext uri="{FF2B5EF4-FFF2-40B4-BE49-F238E27FC236}">
-                <a16:creationId xmlns:a16="http://schemas.microsoft.com/office/drawing/2014/main" id="{946CC4D1-4AB4-4EDC-B9BC-6740E9A99B1B}"/>
-              </a:ext>
-            </a:extLst>
-          </p:cNvPr>
-          <p:cNvSpPr>
-            <a:spLocks noGrp="1"/>
-          </p:cNvSpPr>
-          <p:nvPr>
-            <p:ph type="title"/>
-          </p:nvPr>
-        </p:nvSpPr>
-        <p:spPr/>
-        <p:txBody>
-          <a:bodyPr/>
-          <a:lstStyle/>
-          <a:p>
-            <a:pPr algn="ctr"/>
-            <a:r>
-              <a:rPr lang="fr-FR" dirty="0"/>
-              <a:t>Conclusion</a:t>
-            </a:r>
-          </a:p>
-        </p:txBody>
-      </p:sp>
-      <p:pic>
-        <p:nvPicPr>
-          <p:cNvPr id="7" name="Image 6">
-            <a:extLst>
-              <a:ext uri="{FF2B5EF4-FFF2-40B4-BE49-F238E27FC236}">
-                <a16:creationId xmlns:a16="http://schemas.microsoft.com/office/drawing/2014/main" id="{98915D17-7158-4463-A3E0-AA9ED598E4FD}"/>
+                <a16:creationId xmlns:a16="http://schemas.microsoft.com/office/drawing/2014/main" id="{3B6A4008-9D04-41A5-A1C1-47BE26AD377A}"/>
               </a:ext>
             </a:extLst>
           </p:cNvPr>
@@ -6514,43 +6489,445 @@
       </p:pic>
       <p:sp>
         <p:nvSpPr>
-          <p:cNvPr id="3" name="ZoneTexte 2">
+          <p:cNvPr id="6" name="Titre 1">
             <a:extLst>
               <a:ext uri="{FF2B5EF4-FFF2-40B4-BE49-F238E27FC236}">
-                <a16:creationId xmlns:a16="http://schemas.microsoft.com/office/drawing/2014/main" id="{400C0207-7569-4EA5-80A7-C5A7E6CD7665}"/>
+                <a16:creationId xmlns:a16="http://schemas.microsoft.com/office/drawing/2014/main" id="{0C23D920-F121-4826-BFDA-DCC73B2D8010}"/>
               </a:ext>
             </a:extLst>
           </p:cNvPr>
-          <p:cNvSpPr txBox="1"/>
-          <p:nvPr/>
+          <p:cNvSpPr>
+            <a:spLocks noGrp="1"/>
+          </p:cNvSpPr>
+          <p:nvPr>
+            <p:ph type="title"/>
+          </p:nvPr>
         </p:nvSpPr>
         <p:spPr>
           <a:xfrm>
-            <a:off x="4154749" y="2716566"/>
-            <a:ext cx="4252404" cy="523220"/>
+            <a:off x="677863" y="609600"/>
+            <a:ext cx="8596312" cy="1320800"/>
+          </a:xfrm>
+        </p:spPr>
+        <p:txBody>
+          <a:bodyPr/>
+          <a:lstStyle/>
+          <a:p>
+            <a:pPr algn="ctr"/>
+            <a:r>
+              <a:rPr lang="fr-FR" dirty="0" err="1"/>
+              <a:t>VIII.Ressources</a:t>
+            </a:r>
+            <a:endParaRPr lang="fr-FR" dirty="0"/>
+          </a:p>
+        </p:txBody>
+      </p:sp>
+    </p:spTree>
+    <p:extLst>
+      <p:ext uri="{BB962C8B-B14F-4D97-AF65-F5344CB8AC3E}">
+        <p14:creationId xmlns:p14="http://schemas.microsoft.com/office/powerpoint/2010/main" val="837280523"/>
+      </p:ext>
+    </p:extLst>
+  </p:cSld>
+  <p:clrMapOvr>
+    <a:masterClrMapping/>
+  </p:clrMapOvr>
+</p:sld>
+</file>
+
+<file path=ppt/slides/slide11.xml><?xml version="1.0" encoding="utf-8"?>
+<p:sld xmlns:a="http://schemas.openxmlformats.org/drawingml/2006/main" xmlns:r="http://schemas.openxmlformats.org/officeDocument/2006/relationships" xmlns:p="http://schemas.openxmlformats.org/presentationml/2006/main">
+  <p:cSld>
+    <p:spTree>
+      <p:nvGrpSpPr>
+        <p:cNvPr id="1" name=""/>
+        <p:cNvGrpSpPr/>
+        <p:nvPr/>
+      </p:nvGrpSpPr>
+      <p:grpSpPr>
+        <a:xfrm>
+          <a:off x="0" y="0"/>
+          <a:ext cx="0" cy="0"/>
+          <a:chOff x="0" y="0"/>
+          <a:chExt cx="0" cy="0"/>
+        </a:xfrm>
+      </p:grpSpPr>
+      <p:pic>
+        <p:nvPicPr>
+          <p:cNvPr id="3" name="Image 2">
+            <a:extLst>
+              <a:ext uri="{FF2B5EF4-FFF2-40B4-BE49-F238E27FC236}">
+                <a16:creationId xmlns:a16="http://schemas.microsoft.com/office/drawing/2014/main" id="{3B6A4008-9D04-41A5-A1C1-47BE26AD377A}"/>
+              </a:ext>
+            </a:extLst>
+          </p:cNvPr>
+          <p:cNvPicPr>
+            <a:picLocks noChangeAspect="1"/>
+          </p:cNvPicPr>
+          <p:nvPr/>
+        </p:nvPicPr>
+        <p:blipFill>
+          <a:blip r:embed="rId2">
+            <a:extLst>
+              <a:ext uri="{28A0092B-C50C-407E-A947-70E740481C1C}">
+                <a14:useLocalDpi xmlns:a14="http://schemas.microsoft.com/office/drawing/2010/main" val="0"/>
+              </a:ext>
+            </a:extLst>
+          </a:blip>
+          <a:stretch>
+            <a:fillRect/>
+          </a:stretch>
+        </p:blipFill>
+        <p:spPr>
+          <a:xfrm>
+            <a:off x="9892748" y="5484743"/>
+            <a:ext cx="2034209" cy="1144243"/>
           </a:xfrm>
           <a:prstGeom prst="rect">
             <a:avLst/>
           </a:prstGeom>
-          <a:noFill/>
         </p:spPr>
-        <p:txBody>
-          <a:bodyPr wrap="square" rtlCol="0">
-            <a:spAutoFit/>
-          </a:bodyPr>
+      </p:pic>
+      <p:sp>
+        <p:nvSpPr>
+          <p:cNvPr id="6" name="Titre 1">
+            <a:extLst>
+              <a:ext uri="{FF2B5EF4-FFF2-40B4-BE49-F238E27FC236}">
+                <a16:creationId xmlns:a16="http://schemas.microsoft.com/office/drawing/2014/main" id="{0C23D920-F121-4826-BFDA-DCC73B2D8010}"/>
+              </a:ext>
+            </a:extLst>
+          </p:cNvPr>
+          <p:cNvSpPr>
+            <a:spLocks noGrp="1"/>
+          </p:cNvSpPr>
+          <p:nvPr>
+            <p:ph type="title"/>
+          </p:nvPr>
+        </p:nvSpPr>
+        <p:spPr>
+          <a:xfrm>
+            <a:off x="677863" y="609600"/>
+            <a:ext cx="8596312" cy="1320800"/>
+          </a:xfrm>
+        </p:spPr>
+        <p:txBody>
+          <a:bodyPr/>
           <a:lstStyle/>
           <a:p>
-            <a:r>
-              <a:rPr lang="fr-FR" sz="2800" dirty="0"/>
-              <a:t>Questions ?</a:t>
-            </a:r>
+            <a:pPr algn="ctr"/>
+            <a:r>
+              <a:rPr lang="fr-FR" dirty="0" err="1"/>
+              <a:t>IX.Mail</a:t>
+            </a:r>
+            <a:endParaRPr lang="fr-FR" dirty="0"/>
           </a:p>
         </p:txBody>
       </p:sp>
     </p:spTree>
     <p:extLst>
       <p:ext uri="{BB962C8B-B14F-4D97-AF65-F5344CB8AC3E}">
-        <p14:creationId xmlns:p14="http://schemas.microsoft.com/office/powerpoint/2010/main" val="2775768774"/>
+        <p14:creationId xmlns:p14="http://schemas.microsoft.com/office/powerpoint/2010/main" val="4020547121"/>
+      </p:ext>
+    </p:extLst>
+  </p:cSld>
+  <p:clrMapOvr>
+    <a:masterClrMapping/>
+  </p:clrMapOvr>
+</p:sld>
+</file>
+
+<file path=ppt/slides/slide12.xml><?xml version="1.0" encoding="utf-8"?>
+<p:sld xmlns:a="http://schemas.openxmlformats.org/drawingml/2006/main" xmlns:r="http://schemas.openxmlformats.org/officeDocument/2006/relationships" xmlns:p="http://schemas.openxmlformats.org/presentationml/2006/main">
+  <p:cSld>
+    <p:spTree>
+      <p:nvGrpSpPr>
+        <p:cNvPr id="1" name=""/>
+        <p:cNvGrpSpPr/>
+        <p:nvPr/>
+      </p:nvGrpSpPr>
+      <p:grpSpPr>
+        <a:xfrm>
+          <a:off x="0" y="0"/>
+          <a:ext cx="0" cy="0"/>
+          <a:chOff x="0" y="0"/>
+          <a:chExt cx="0" cy="0"/>
+        </a:xfrm>
+      </p:grpSpPr>
+      <p:pic>
+        <p:nvPicPr>
+          <p:cNvPr id="3" name="Image 2">
+            <a:extLst>
+              <a:ext uri="{FF2B5EF4-FFF2-40B4-BE49-F238E27FC236}">
+                <a16:creationId xmlns:a16="http://schemas.microsoft.com/office/drawing/2014/main" id="{3B6A4008-9D04-41A5-A1C1-47BE26AD377A}"/>
+              </a:ext>
+            </a:extLst>
+          </p:cNvPr>
+          <p:cNvPicPr>
+            <a:picLocks noChangeAspect="1"/>
+          </p:cNvPicPr>
+          <p:nvPr/>
+        </p:nvPicPr>
+        <p:blipFill>
+          <a:blip r:embed="rId2">
+            <a:extLst>
+              <a:ext uri="{28A0092B-C50C-407E-A947-70E740481C1C}">
+                <a14:useLocalDpi xmlns:a14="http://schemas.microsoft.com/office/drawing/2010/main" val="0"/>
+              </a:ext>
+            </a:extLst>
+          </a:blip>
+          <a:stretch>
+            <a:fillRect/>
+          </a:stretch>
+        </p:blipFill>
+        <p:spPr>
+          <a:xfrm>
+            <a:off x="9892748" y="5484743"/>
+            <a:ext cx="2034209" cy="1144243"/>
+          </a:xfrm>
+          <a:prstGeom prst="rect">
+            <a:avLst/>
+          </a:prstGeom>
+        </p:spPr>
+      </p:pic>
+      <p:sp>
+        <p:nvSpPr>
+          <p:cNvPr id="6" name="Titre 1">
+            <a:extLst>
+              <a:ext uri="{FF2B5EF4-FFF2-40B4-BE49-F238E27FC236}">
+                <a16:creationId xmlns:a16="http://schemas.microsoft.com/office/drawing/2014/main" id="{0C23D920-F121-4826-BFDA-DCC73B2D8010}"/>
+              </a:ext>
+            </a:extLst>
+          </p:cNvPr>
+          <p:cNvSpPr>
+            <a:spLocks noGrp="1"/>
+          </p:cNvSpPr>
+          <p:nvPr>
+            <p:ph type="title"/>
+          </p:nvPr>
+        </p:nvSpPr>
+        <p:spPr>
+          <a:xfrm>
+            <a:off x="677863" y="609600"/>
+            <a:ext cx="8596312" cy="1320800"/>
+          </a:xfrm>
+        </p:spPr>
+        <p:txBody>
+          <a:bodyPr/>
+          <a:lstStyle/>
+          <a:p>
+            <a:pPr algn="ctr"/>
+            <a:r>
+              <a:rPr lang="fr-FR" dirty="0" err="1"/>
+              <a:t>X.Api</a:t>
+            </a:r>
+            <a:endParaRPr lang="fr-FR" dirty="0"/>
+          </a:p>
+        </p:txBody>
+      </p:sp>
+    </p:spTree>
+    <p:extLst>
+      <p:ext uri="{BB962C8B-B14F-4D97-AF65-F5344CB8AC3E}">
+        <p14:creationId xmlns:p14="http://schemas.microsoft.com/office/powerpoint/2010/main" val="1221046178"/>
+      </p:ext>
+    </p:extLst>
+  </p:cSld>
+  <p:clrMapOvr>
+    <a:masterClrMapping/>
+  </p:clrMapOvr>
+</p:sld>
+</file>
+
+<file path=ppt/slides/slide13.xml><?xml version="1.0" encoding="utf-8"?>
+<p:sld xmlns:a="http://schemas.openxmlformats.org/drawingml/2006/main" xmlns:r="http://schemas.openxmlformats.org/officeDocument/2006/relationships" xmlns:p="http://schemas.openxmlformats.org/presentationml/2006/main">
+  <p:cSld>
+    <p:spTree>
+      <p:nvGrpSpPr>
+        <p:cNvPr id="1" name=""/>
+        <p:cNvGrpSpPr/>
+        <p:nvPr/>
+      </p:nvGrpSpPr>
+      <p:grpSpPr>
+        <a:xfrm>
+          <a:off x="0" y="0"/>
+          <a:ext cx="0" cy="0"/>
+          <a:chOff x="0" y="0"/>
+          <a:chExt cx="0" cy="0"/>
+        </a:xfrm>
+      </p:grpSpPr>
+      <p:pic>
+        <p:nvPicPr>
+          <p:cNvPr id="3" name="Image 2">
+            <a:extLst>
+              <a:ext uri="{FF2B5EF4-FFF2-40B4-BE49-F238E27FC236}">
+                <a16:creationId xmlns:a16="http://schemas.microsoft.com/office/drawing/2014/main" id="{3B6A4008-9D04-41A5-A1C1-47BE26AD377A}"/>
+              </a:ext>
+            </a:extLst>
+          </p:cNvPr>
+          <p:cNvPicPr>
+            <a:picLocks noChangeAspect="1"/>
+          </p:cNvPicPr>
+          <p:nvPr/>
+        </p:nvPicPr>
+        <p:blipFill>
+          <a:blip r:embed="rId2">
+            <a:extLst>
+              <a:ext uri="{28A0092B-C50C-407E-A947-70E740481C1C}">
+                <a14:useLocalDpi xmlns:a14="http://schemas.microsoft.com/office/drawing/2010/main" val="0"/>
+              </a:ext>
+            </a:extLst>
+          </a:blip>
+          <a:stretch>
+            <a:fillRect/>
+          </a:stretch>
+        </p:blipFill>
+        <p:spPr>
+          <a:xfrm>
+            <a:off x="9892748" y="5484743"/>
+            <a:ext cx="2034209" cy="1144243"/>
+          </a:xfrm>
+          <a:prstGeom prst="rect">
+            <a:avLst/>
+          </a:prstGeom>
+        </p:spPr>
+      </p:pic>
+      <p:sp>
+        <p:nvSpPr>
+          <p:cNvPr id="6" name="Titre 1">
+            <a:extLst>
+              <a:ext uri="{FF2B5EF4-FFF2-40B4-BE49-F238E27FC236}">
+                <a16:creationId xmlns:a16="http://schemas.microsoft.com/office/drawing/2014/main" id="{0C23D920-F121-4826-BFDA-DCC73B2D8010}"/>
+              </a:ext>
+            </a:extLst>
+          </p:cNvPr>
+          <p:cNvSpPr>
+            <a:spLocks noGrp="1"/>
+          </p:cNvSpPr>
+          <p:nvPr>
+            <p:ph type="title"/>
+          </p:nvPr>
+        </p:nvSpPr>
+        <p:spPr>
+          <a:xfrm>
+            <a:off x="677863" y="609600"/>
+            <a:ext cx="8596312" cy="1320800"/>
+          </a:xfrm>
+        </p:spPr>
+        <p:txBody>
+          <a:bodyPr/>
+          <a:lstStyle/>
+          <a:p>
+            <a:pPr algn="ctr"/>
+            <a:r>
+              <a:rPr lang="fr-FR" dirty="0"/>
+              <a:t>XI.W3C</a:t>
+            </a:r>
+          </a:p>
+        </p:txBody>
+      </p:sp>
+    </p:spTree>
+    <p:extLst>
+      <p:ext uri="{BB962C8B-B14F-4D97-AF65-F5344CB8AC3E}">
+        <p14:creationId xmlns:p14="http://schemas.microsoft.com/office/powerpoint/2010/main" val="3397599735"/>
+      </p:ext>
+    </p:extLst>
+  </p:cSld>
+  <p:clrMapOvr>
+    <a:masterClrMapping/>
+  </p:clrMapOvr>
+</p:sld>
+</file>
+
+<file path=ppt/slides/slide14.xml><?xml version="1.0" encoding="utf-8"?>
+<p:sld xmlns:a="http://schemas.openxmlformats.org/drawingml/2006/main" xmlns:r="http://schemas.openxmlformats.org/officeDocument/2006/relationships" xmlns:p="http://schemas.openxmlformats.org/presentationml/2006/main">
+  <p:cSld>
+    <p:spTree>
+      <p:nvGrpSpPr>
+        <p:cNvPr id="1" name=""/>
+        <p:cNvGrpSpPr/>
+        <p:nvPr/>
+      </p:nvGrpSpPr>
+      <p:grpSpPr>
+        <a:xfrm>
+          <a:off x="0" y="0"/>
+          <a:ext cx="0" cy="0"/>
+          <a:chOff x="0" y="0"/>
+          <a:chExt cx="0" cy="0"/>
+        </a:xfrm>
+      </p:grpSpPr>
+      <p:pic>
+        <p:nvPicPr>
+          <p:cNvPr id="3" name="Image 2">
+            <a:extLst>
+              <a:ext uri="{FF2B5EF4-FFF2-40B4-BE49-F238E27FC236}">
+                <a16:creationId xmlns:a16="http://schemas.microsoft.com/office/drawing/2014/main" id="{3B6A4008-9D04-41A5-A1C1-47BE26AD377A}"/>
+              </a:ext>
+            </a:extLst>
+          </p:cNvPr>
+          <p:cNvPicPr>
+            <a:picLocks noChangeAspect="1"/>
+          </p:cNvPicPr>
+          <p:nvPr/>
+        </p:nvPicPr>
+        <p:blipFill>
+          <a:blip r:embed="rId2">
+            <a:extLst>
+              <a:ext uri="{28A0092B-C50C-407E-A947-70E740481C1C}">
+                <a14:useLocalDpi xmlns:a14="http://schemas.microsoft.com/office/drawing/2010/main" val="0"/>
+              </a:ext>
+            </a:extLst>
+          </a:blip>
+          <a:stretch>
+            <a:fillRect/>
+          </a:stretch>
+        </p:blipFill>
+        <p:spPr>
+          <a:xfrm>
+            <a:off x="9892748" y="5484743"/>
+            <a:ext cx="2034209" cy="1144243"/>
+          </a:xfrm>
+          <a:prstGeom prst="rect">
+            <a:avLst/>
+          </a:prstGeom>
+        </p:spPr>
+      </p:pic>
+      <p:sp>
+        <p:nvSpPr>
+          <p:cNvPr id="6" name="Titre 1">
+            <a:extLst>
+              <a:ext uri="{FF2B5EF4-FFF2-40B4-BE49-F238E27FC236}">
+                <a16:creationId xmlns:a16="http://schemas.microsoft.com/office/drawing/2014/main" id="{0C23D920-F121-4826-BFDA-DCC73B2D8010}"/>
+              </a:ext>
+            </a:extLst>
+          </p:cNvPr>
+          <p:cNvSpPr>
+            <a:spLocks noGrp="1"/>
+          </p:cNvSpPr>
+          <p:nvPr>
+            <p:ph type="title"/>
+          </p:nvPr>
+        </p:nvSpPr>
+        <p:spPr>
+          <a:xfrm>
+            <a:off x="677863" y="609600"/>
+            <a:ext cx="8596312" cy="1320800"/>
+          </a:xfrm>
+        </p:spPr>
+        <p:txBody>
+          <a:bodyPr/>
+          <a:lstStyle/>
+          <a:p>
+            <a:pPr algn="ctr"/>
+            <a:r>
+              <a:rPr lang="fr-FR" dirty="0"/>
+              <a:t>XII. Conclusion</a:t>
+            </a:r>
+          </a:p>
+        </p:txBody>
+      </p:sp>
+    </p:spTree>
+    <p:extLst>
+      <p:ext uri="{BB962C8B-B14F-4D97-AF65-F5344CB8AC3E}">
+        <p14:creationId xmlns:p14="http://schemas.microsoft.com/office/powerpoint/2010/main" val="104372951"/>
       </p:ext>
     </p:extLst>
   </p:cSld>
@@ -6593,7 +6970,12 @@
             <p:ph type="title"/>
           </p:nvPr>
         </p:nvSpPr>
-        <p:spPr/>
+        <p:spPr>
+          <a:xfrm>
+            <a:off x="597435" y="254493"/>
+            <a:ext cx="8596668" cy="1320800"/>
+          </a:xfrm>
+        </p:spPr>
         <p:txBody>
           <a:bodyPr/>
           <a:lstStyle/>
@@ -6619,8 +7001,8 @@
         </p:nvSpPr>
         <p:spPr>
           <a:xfrm>
-            <a:off x="1674920" y="1930400"/>
-            <a:ext cx="8842159" cy="3539430"/>
+            <a:off x="1674920" y="914893"/>
+            <a:ext cx="8842159" cy="6124754"/>
           </a:xfrm>
           <a:prstGeom prst="rect">
             <a:avLst/>
@@ -6649,7 +7031,17 @@
             </a:pPr>
             <a:r>
               <a:rPr lang="fr-FR" sz="2800" dirty="0"/>
-              <a:t>Conception</a:t>
+              <a:t>Demonstration</a:t>
+            </a:r>
+          </a:p>
+          <a:p>
+            <a:pPr marL="857250" lvl="1" indent="-400050">
+              <a:buFont typeface="+mj-lt"/>
+              <a:buAutoNum type="romanUcPeriod"/>
+            </a:pPr>
+            <a:r>
+              <a:rPr lang="fr-FR" sz="2800" dirty="0"/>
+              <a:t>Différentes slides pour nous aider</a:t>
             </a:r>
           </a:p>
           <a:p>
@@ -6659,7 +7051,7 @@
             </a:pPr>
             <a:r>
               <a:rPr lang="fr-FR" sz="2800" dirty="0"/>
-              <a:t>Events</a:t>
+              <a:t>Laravel</a:t>
             </a:r>
           </a:p>
           <a:p>
@@ -6669,7 +7061,7 @@
             </a:pPr>
             <a:r>
               <a:rPr lang="fr-FR" sz="2800" dirty="0"/>
-              <a:t>Admin</a:t>
+              <a:t>MCD</a:t>
             </a:r>
           </a:p>
           <a:p>
@@ -6679,7 +7071,7 @@
             </a:pPr>
             <a:r>
               <a:rPr lang="fr-FR" sz="2800" dirty="0"/>
-              <a:t>Shop </a:t>
+              <a:t>Eloquent</a:t>
             </a:r>
           </a:p>
           <a:p>
@@ -6689,7 +7081,7 @@
             </a:pPr>
             <a:r>
               <a:rPr lang="fr-FR" sz="2800" dirty="0"/>
-              <a:t>Api</a:t>
+              <a:t>Blade </a:t>
             </a:r>
           </a:p>
           <a:p>
@@ -6699,7 +7091,7 @@
             </a:pPr>
             <a:r>
               <a:rPr lang="fr-FR" sz="2800" dirty="0"/>
-              <a:t>Demonstration</a:t>
+              <a:t>Middleware</a:t>
             </a:r>
           </a:p>
           <a:p>
@@ -6709,8 +7101,55 @@
             </a:pPr>
             <a:r>
               <a:rPr lang="fr-FR" sz="2800" dirty="0"/>
+              <a:t>Ressources</a:t>
+            </a:r>
+          </a:p>
+          <a:p>
+            <a:pPr marL="400050" indent="-400050">
+              <a:buFont typeface="+mj-lt"/>
+              <a:buAutoNum type="romanUcPeriod"/>
+            </a:pPr>
+            <a:r>
+              <a:rPr lang="fr-FR" sz="2800" dirty="0"/>
+              <a:t>Mail</a:t>
+            </a:r>
+          </a:p>
+          <a:p>
+            <a:pPr marL="400050" indent="-400050">
+              <a:buFont typeface="+mj-lt"/>
+              <a:buAutoNum type="romanUcPeriod"/>
+            </a:pPr>
+            <a:r>
+              <a:rPr lang="fr-FR" sz="2800" dirty="0"/>
+              <a:t>Api</a:t>
+            </a:r>
+          </a:p>
+          <a:p>
+            <a:pPr marL="400050" indent="-400050">
+              <a:buFont typeface="+mj-lt"/>
+              <a:buAutoNum type="romanUcPeriod"/>
+            </a:pPr>
+            <a:r>
+              <a:rPr lang="fr-FR" sz="2800" dirty="0"/>
+              <a:t>W3C</a:t>
+            </a:r>
+          </a:p>
+          <a:p>
+            <a:pPr marL="400050" indent="-400050">
+              <a:buFont typeface="+mj-lt"/>
+              <a:buAutoNum type="romanUcPeriod"/>
+            </a:pPr>
+            <a:r>
+              <a:rPr lang="fr-FR" sz="2800" dirty="0"/>
               <a:t>Conclusion</a:t>
             </a:r>
+          </a:p>
+          <a:p>
+            <a:pPr marL="400050" indent="-400050">
+              <a:buFont typeface="+mj-lt"/>
+              <a:buAutoNum type="romanUcPeriod"/>
+            </a:pPr>
+            <a:endParaRPr lang="fr-FR" sz="2800" dirty="0"/>
           </a:p>
         </p:txBody>
       </p:sp>
@@ -6982,10 +7421,210 @@
           <a:p>
             <a:pPr algn="ctr"/>
             <a:r>
+              <a:rPr lang="fr-FR" dirty="0"/>
+              <a:t>II. Demonstration</a:t>
+            </a:r>
+          </a:p>
+        </p:txBody>
+      </p:sp>
+      <p:pic>
+        <p:nvPicPr>
+          <p:cNvPr id="6" name="Image 5">
+            <a:extLst>
+              <a:ext uri="{FF2B5EF4-FFF2-40B4-BE49-F238E27FC236}">
+                <a16:creationId xmlns:a16="http://schemas.microsoft.com/office/drawing/2014/main" id="{30DD1F46-DA42-404E-B683-140AC58384DC}"/>
+              </a:ext>
+            </a:extLst>
+          </p:cNvPr>
+          <p:cNvPicPr>
+            <a:picLocks noChangeAspect="1"/>
+          </p:cNvPicPr>
+          <p:nvPr/>
+        </p:nvPicPr>
+        <p:blipFill>
+          <a:blip r:embed="rId2">
+            <a:extLst>
+              <a:ext uri="{28A0092B-C50C-407E-A947-70E740481C1C}">
+                <a14:useLocalDpi xmlns:a14="http://schemas.microsoft.com/office/drawing/2010/main" val="0"/>
+              </a:ext>
+            </a:extLst>
+          </a:blip>
+          <a:stretch>
+            <a:fillRect/>
+          </a:stretch>
+        </p:blipFill>
+        <p:spPr>
+          <a:xfrm>
+            <a:off x="9892748" y="5484743"/>
+            <a:ext cx="2034209" cy="1144243"/>
+          </a:xfrm>
+          <a:prstGeom prst="rect">
+            <a:avLst/>
+          </a:prstGeom>
+        </p:spPr>
+      </p:pic>
+    </p:spTree>
+    <p:extLst>
+      <p:ext uri="{BB962C8B-B14F-4D97-AF65-F5344CB8AC3E}">
+        <p14:creationId xmlns:p14="http://schemas.microsoft.com/office/powerpoint/2010/main" val="3426264271"/>
+      </p:ext>
+    </p:extLst>
+  </p:cSld>
+  <p:clrMapOvr>
+    <a:masterClrMapping/>
+  </p:clrMapOvr>
+</p:sld>
+</file>
+
+<file path=ppt/slides/slide5.xml><?xml version="1.0" encoding="utf-8"?>
+<p:sld xmlns:a="http://schemas.openxmlformats.org/drawingml/2006/main" xmlns:r="http://schemas.openxmlformats.org/officeDocument/2006/relationships" xmlns:p="http://schemas.openxmlformats.org/presentationml/2006/main">
+  <p:cSld>
+    <p:spTree>
+      <p:nvGrpSpPr>
+        <p:cNvPr id="1" name=""/>
+        <p:cNvGrpSpPr/>
+        <p:nvPr/>
+      </p:nvGrpSpPr>
+      <p:grpSpPr>
+        <a:xfrm>
+          <a:off x="0" y="0"/>
+          <a:ext cx="0" cy="0"/>
+          <a:chOff x="0" y="0"/>
+          <a:chExt cx="0" cy="0"/>
+        </a:xfrm>
+      </p:grpSpPr>
+      <p:sp>
+        <p:nvSpPr>
+          <p:cNvPr id="5" name="Titre 1">
+            <a:extLst>
+              <a:ext uri="{FF2B5EF4-FFF2-40B4-BE49-F238E27FC236}">
+                <a16:creationId xmlns:a16="http://schemas.microsoft.com/office/drawing/2014/main" id="{036D92B4-404E-4DB6-9DCB-DE4A1A8AA875}"/>
+              </a:ext>
+            </a:extLst>
+          </p:cNvPr>
+          <p:cNvSpPr>
+            <a:spLocks noGrp="1"/>
+          </p:cNvSpPr>
+          <p:nvPr>
+            <p:ph type="title"/>
+          </p:nvPr>
+        </p:nvSpPr>
+        <p:spPr>
+          <a:xfrm>
+            <a:off x="750101" y="343270"/>
+            <a:ext cx="8596668" cy="1320800"/>
+          </a:xfrm>
+        </p:spPr>
+        <p:txBody>
+          <a:bodyPr/>
+          <a:lstStyle/>
+          <a:p>
+            <a:pPr algn="ctr"/>
+            <a:r>
               <a:rPr lang="fr-FR" dirty="0" err="1"/>
-              <a:t>II.Conception</a:t>
+              <a:t>III.Laravel</a:t>
             </a:r>
             <a:endParaRPr lang="fr-FR" dirty="0"/>
+          </a:p>
+        </p:txBody>
+      </p:sp>
+      <p:pic>
+        <p:nvPicPr>
+          <p:cNvPr id="6" name="Image 5">
+            <a:extLst>
+              <a:ext uri="{FF2B5EF4-FFF2-40B4-BE49-F238E27FC236}">
+                <a16:creationId xmlns:a16="http://schemas.microsoft.com/office/drawing/2014/main" id="{DAB04F47-F88B-4EE5-9A3A-09DEB37E0B0A}"/>
+              </a:ext>
+            </a:extLst>
+          </p:cNvPr>
+          <p:cNvPicPr>
+            <a:picLocks noChangeAspect="1"/>
+          </p:cNvPicPr>
+          <p:nvPr/>
+        </p:nvPicPr>
+        <p:blipFill>
+          <a:blip r:embed="rId2">
+            <a:extLst>
+              <a:ext uri="{28A0092B-C50C-407E-A947-70E740481C1C}">
+                <a14:useLocalDpi xmlns:a14="http://schemas.microsoft.com/office/drawing/2010/main" val="0"/>
+              </a:ext>
+            </a:extLst>
+          </a:blip>
+          <a:stretch>
+            <a:fillRect/>
+          </a:stretch>
+        </p:blipFill>
+        <p:spPr>
+          <a:xfrm>
+            <a:off x="9892748" y="5484743"/>
+            <a:ext cx="2034209" cy="1144243"/>
+          </a:xfrm>
+          <a:prstGeom prst="rect">
+            <a:avLst/>
+          </a:prstGeom>
+        </p:spPr>
+      </p:pic>
+    </p:spTree>
+    <p:extLst>
+      <p:ext uri="{BB962C8B-B14F-4D97-AF65-F5344CB8AC3E}">
+        <p14:creationId xmlns:p14="http://schemas.microsoft.com/office/powerpoint/2010/main" val="1586197920"/>
+      </p:ext>
+    </p:extLst>
+  </p:cSld>
+  <p:clrMapOvr>
+    <a:masterClrMapping/>
+  </p:clrMapOvr>
+</p:sld>
+</file>
+
+<file path=ppt/slides/slide6.xml><?xml version="1.0" encoding="utf-8"?>
+<p:sld xmlns:a="http://schemas.openxmlformats.org/drawingml/2006/main" xmlns:r="http://schemas.openxmlformats.org/officeDocument/2006/relationships" xmlns:p="http://schemas.openxmlformats.org/presentationml/2006/main">
+  <p:cSld>
+    <p:spTree>
+      <p:nvGrpSpPr>
+        <p:cNvPr id="1" name=""/>
+        <p:cNvGrpSpPr/>
+        <p:nvPr/>
+      </p:nvGrpSpPr>
+      <p:grpSpPr>
+        <a:xfrm>
+          <a:off x="0" y="0"/>
+          <a:ext cx="0" cy="0"/>
+          <a:chOff x="0" y="0"/>
+          <a:chExt cx="0" cy="0"/>
+        </a:xfrm>
+      </p:grpSpPr>
+      <p:sp>
+        <p:nvSpPr>
+          <p:cNvPr id="2" name="Titre 1">
+            <a:extLst>
+              <a:ext uri="{FF2B5EF4-FFF2-40B4-BE49-F238E27FC236}">
+                <a16:creationId xmlns:a16="http://schemas.microsoft.com/office/drawing/2014/main" id="{595D466E-EB07-418E-B0FC-2CAB6F0EABFA}"/>
+              </a:ext>
+            </a:extLst>
+          </p:cNvPr>
+          <p:cNvSpPr>
+            <a:spLocks noGrp="1"/>
+          </p:cNvSpPr>
+          <p:nvPr>
+            <p:ph type="title"/>
+          </p:nvPr>
+        </p:nvSpPr>
+        <p:spPr>
+          <a:xfrm>
+            <a:off x="750101" y="343270"/>
+            <a:ext cx="8596668" cy="1320800"/>
+          </a:xfrm>
+        </p:spPr>
+        <p:txBody>
+          <a:bodyPr/>
+          <a:lstStyle/>
+          <a:p>
+            <a:pPr algn="ctr"/>
+            <a:r>
+              <a:rPr lang="fr-FR" dirty="0"/>
+              <a:t>VI.MCD</a:t>
+            </a:r>
           </a:p>
         </p:txBody>
       </p:sp>
@@ -7064,283 +7703,7 @@
     </p:spTree>
     <p:extLst>
       <p:ext uri="{BB962C8B-B14F-4D97-AF65-F5344CB8AC3E}">
-        <p14:creationId xmlns:p14="http://schemas.microsoft.com/office/powerpoint/2010/main" val="3426264271"/>
-      </p:ext>
-    </p:extLst>
-  </p:cSld>
-  <p:clrMapOvr>
-    <a:masterClrMapping/>
-  </p:clrMapOvr>
-</p:sld>
-</file>
-
-<file path=ppt/slides/slide5.xml><?xml version="1.0" encoding="utf-8"?>
-<p:sld xmlns:a="http://schemas.openxmlformats.org/drawingml/2006/main" xmlns:r="http://schemas.openxmlformats.org/officeDocument/2006/relationships" xmlns:p="http://schemas.openxmlformats.org/presentationml/2006/main">
-  <p:cSld>
-    <p:spTree>
-      <p:nvGrpSpPr>
-        <p:cNvPr id="1" name=""/>
-        <p:cNvGrpSpPr/>
-        <p:nvPr/>
-      </p:nvGrpSpPr>
-      <p:grpSpPr>
-        <a:xfrm>
-          <a:off x="0" y="0"/>
-          <a:ext cx="0" cy="0"/>
-          <a:chOff x="0" y="0"/>
-          <a:chExt cx="0" cy="0"/>
-        </a:xfrm>
-      </p:grpSpPr>
-      <p:sp>
-        <p:nvSpPr>
-          <p:cNvPr id="5" name="Titre 1">
-            <a:extLst>
-              <a:ext uri="{FF2B5EF4-FFF2-40B4-BE49-F238E27FC236}">
-                <a16:creationId xmlns:a16="http://schemas.microsoft.com/office/drawing/2014/main" id="{036D92B4-404E-4DB6-9DCB-DE4A1A8AA875}"/>
-              </a:ext>
-            </a:extLst>
-          </p:cNvPr>
-          <p:cNvSpPr>
-            <a:spLocks noGrp="1"/>
-          </p:cNvSpPr>
-          <p:nvPr>
-            <p:ph type="title"/>
-          </p:nvPr>
-        </p:nvSpPr>
-        <p:spPr>
-          <a:xfrm>
-            <a:off x="750101" y="343270"/>
-            <a:ext cx="8596668" cy="1320800"/>
-          </a:xfrm>
-        </p:spPr>
-        <p:txBody>
-          <a:bodyPr/>
-          <a:lstStyle/>
-          <a:p>
-            <a:pPr algn="ctr"/>
-            <a:r>
-              <a:rPr lang="fr-FR" dirty="0" err="1"/>
-              <a:t>III.Events</a:t>
-            </a:r>
-            <a:endParaRPr lang="fr-FR" dirty="0"/>
-          </a:p>
-        </p:txBody>
-      </p:sp>
-      <p:pic>
-        <p:nvPicPr>
-          <p:cNvPr id="6" name="Image 5">
-            <a:extLst>
-              <a:ext uri="{FF2B5EF4-FFF2-40B4-BE49-F238E27FC236}">
-                <a16:creationId xmlns:a16="http://schemas.microsoft.com/office/drawing/2014/main" id="{DAB04F47-F88B-4EE5-9A3A-09DEB37E0B0A}"/>
-              </a:ext>
-            </a:extLst>
-          </p:cNvPr>
-          <p:cNvPicPr>
-            <a:picLocks noChangeAspect="1"/>
-          </p:cNvPicPr>
-          <p:nvPr/>
-        </p:nvPicPr>
-        <p:blipFill>
-          <a:blip r:embed="rId2">
-            <a:extLst>
-              <a:ext uri="{28A0092B-C50C-407E-A947-70E740481C1C}">
-                <a14:useLocalDpi xmlns:a14="http://schemas.microsoft.com/office/drawing/2010/main" val="0"/>
-              </a:ext>
-            </a:extLst>
-          </a:blip>
-          <a:stretch>
-            <a:fillRect/>
-          </a:stretch>
-        </p:blipFill>
-        <p:spPr>
-          <a:xfrm>
-            <a:off x="9892748" y="5484743"/>
-            <a:ext cx="2034209" cy="1144243"/>
-          </a:xfrm>
-          <a:prstGeom prst="rect">
-            <a:avLst/>
-          </a:prstGeom>
-        </p:spPr>
-      </p:pic>
-    </p:spTree>
-    <p:extLst>
-      <p:ext uri="{BB962C8B-B14F-4D97-AF65-F5344CB8AC3E}">
-        <p14:creationId xmlns:p14="http://schemas.microsoft.com/office/powerpoint/2010/main" val="1586197920"/>
-      </p:ext>
-    </p:extLst>
-  </p:cSld>
-  <p:clrMapOvr>
-    <a:masterClrMapping/>
-  </p:clrMapOvr>
-</p:sld>
-</file>
-
-<file path=ppt/slides/slide6.xml><?xml version="1.0" encoding="utf-8"?>
-<p:sld xmlns:a="http://schemas.openxmlformats.org/drawingml/2006/main" xmlns:r="http://schemas.openxmlformats.org/officeDocument/2006/relationships" xmlns:p="http://schemas.openxmlformats.org/presentationml/2006/main">
-  <p:cSld>
-    <p:spTree>
-      <p:nvGrpSpPr>
-        <p:cNvPr id="1" name=""/>
-        <p:cNvGrpSpPr/>
-        <p:nvPr/>
-      </p:nvGrpSpPr>
-      <p:grpSpPr>
-        <a:xfrm>
-          <a:off x="0" y="0"/>
-          <a:ext cx="0" cy="0"/>
-          <a:chOff x="0" y="0"/>
-          <a:chExt cx="0" cy="0"/>
-        </a:xfrm>
-      </p:grpSpPr>
-      <p:sp>
-        <p:nvSpPr>
-          <p:cNvPr id="5" name="Titre 1">
-            <a:extLst>
-              <a:ext uri="{FF2B5EF4-FFF2-40B4-BE49-F238E27FC236}">
-                <a16:creationId xmlns:a16="http://schemas.microsoft.com/office/drawing/2014/main" id="{A04A298E-300C-4209-B33C-B6918A65B512}"/>
-              </a:ext>
-            </a:extLst>
-          </p:cNvPr>
-          <p:cNvSpPr txBox="1">
-            <a:spLocks/>
-          </p:cNvSpPr>
-          <p:nvPr/>
-        </p:nvSpPr>
-        <p:spPr>
-          <a:xfrm>
-            <a:off x="750101" y="343270"/>
-            <a:ext cx="8596668" cy="1320800"/>
-          </a:xfrm>
-          <a:prstGeom prst="rect">
-            <a:avLst/>
-          </a:prstGeom>
-        </p:spPr>
-        <p:txBody>
-          <a:bodyPr vert="horz" lIns="91440" tIns="45720" rIns="91440" bIns="45720" rtlCol="0" anchor="t">
-            <a:normAutofit/>
-          </a:bodyPr>
-          <a:lstStyle>
-            <a:lvl1pPr algn="l" defTabSz="457200" rtl="0" eaLnBrk="1" latinLnBrk="0" hangingPunct="1">
-              <a:spcBef>
-                <a:spcPct val="0"/>
-              </a:spcBef>
-              <a:buNone/>
-              <a:defRPr sz="3600" kern="1200">
-                <a:solidFill>
-                  <a:schemeClr val="accent1"/>
-                </a:solidFill>
-                <a:latin typeface="+mj-lt"/>
-                <a:ea typeface="+mj-ea"/>
-                <a:cs typeface="+mj-cs"/>
-              </a:defRPr>
-            </a:lvl1pPr>
-            <a:lvl2pPr eaLnBrk="1" hangingPunct="1">
-              <a:defRPr>
-                <a:solidFill>
-                  <a:schemeClr val="tx2"/>
-                </a:solidFill>
-              </a:defRPr>
-            </a:lvl2pPr>
-            <a:lvl3pPr eaLnBrk="1" hangingPunct="1">
-              <a:defRPr>
-                <a:solidFill>
-                  <a:schemeClr val="tx2"/>
-                </a:solidFill>
-              </a:defRPr>
-            </a:lvl3pPr>
-            <a:lvl4pPr eaLnBrk="1" hangingPunct="1">
-              <a:defRPr>
-                <a:solidFill>
-                  <a:schemeClr val="tx2"/>
-                </a:solidFill>
-              </a:defRPr>
-            </a:lvl4pPr>
-            <a:lvl5pPr eaLnBrk="1" hangingPunct="1">
-              <a:defRPr>
-                <a:solidFill>
-                  <a:schemeClr val="tx2"/>
-                </a:solidFill>
-              </a:defRPr>
-            </a:lvl5pPr>
-            <a:lvl6pPr eaLnBrk="1" hangingPunct="1">
-              <a:defRPr>
-                <a:solidFill>
-                  <a:schemeClr val="tx2"/>
-                </a:solidFill>
-              </a:defRPr>
-            </a:lvl6pPr>
-            <a:lvl7pPr eaLnBrk="1" hangingPunct="1">
-              <a:defRPr>
-                <a:solidFill>
-                  <a:schemeClr val="tx2"/>
-                </a:solidFill>
-              </a:defRPr>
-            </a:lvl7pPr>
-            <a:lvl8pPr eaLnBrk="1" hangingPunct="1">
-              <a:defRPr>
-                <a:solidFill>
-                  <a:schemeClr val="tx2"/>
-                </a:solidFill>
-              </a:defRPr>
-            </a:lvl8pPr>
-            <a:lvl9pPr eaLnBrk="1" hangingPunct="1">
-              <a:defRPr>
-                <a:solidFill>
-                  <a:schemeClr val="tx2"/>
-                </a:solidFill>
-              </a:defRPr>
-            </a:lvl9pPr>
-          </a:lstStyle>
-          <a:p>
-            <a:pPr algn="ctr"/>
-            <a:r>
-              <a:rPr lang="fr-FR" dirty="0" err="1"/>
-              <a:t>IV.Admin</a:t>
-            </a:r>
-            <a:endParaRPr lang="fr-FR" dirty="0"/>
-          </a:p>
-        </p:txBody>
-      </p:sp>
-      <p:pic>
-        <p:nvPicPr>
-          <p:cNvPr id="6" name="Image 5">
-            <a:extLst>
-              <a:ext uri="{FF2B5EF4-FFF2-40B4-BE49-F238E27FC236}">
-                <a16:creationId xmlns:a16="http://schemas.microsoft.com/office/drawing/2014/main" id="{2D7F5F48-6533-474D-AED8-18451BAA2886}"/>
-              </a:ext>
-            </a:extLst>
-          </p:cNvPr>
-          <p:cNvPicPr>
-            <a:picLocks noChangeAspect="1"/>
-          </p:cNvPicPr>
-          <p:nvPr/>
-        </p:nvPicPr>
-        <p:blipFill>
-          <a:blip r:embed="rId2">
-            <a:extLst>
-              <a:ext uri="{28A0092B-C50C-407E-A947-70E740481C1C}">
-                <a14:useLocalDpi xmlns:a14="http://schemas.microsoft.com/office/drawing/2010/main" val="0"/>
-              </a:ext>
-            </a:extLst>
-          </a:blip>
-          <a:stretch>
-            <a:fillRect/>
-          </a:stretch>
-        </p:blipFill>
-        <p:spPr>
-          <a:xfrm>
-            <a:off x="9892748" y="5484743"/>
-            <a:ext cx="2034209" cy="1144243"/>
-          </a:xfrm>
-          <a:prstGeom prst="rect">
-            <a:avLst/>
-          </a:prstGeom>
-        </p:spPr>
-      </p:pic>
-    </p:spTree>
-    <p:extLst>
-      <p:ext uri="{BB962C8B-B14F-4D97-AF65-F5344CB8AC3E}">
-        <p14:creationId xmlns:p14="http://schemas.microsoft.com/office/powerpoint/2010/main" val="2103544760"/>
+        <p14:creationId xmlns:p14="http://schemas.microsoft.com/office/powerpoint/2010/main" val="531972825"/>
       </p:ext>
     </p:extLst>
   </p:cSld>
@@ -7396,7 +7759,7 @@
             <a:pPr algn="ctr"/>
             <a:r>
               <a:rPr lang="fr-FR" dirty="0" err="1"/>
-              <a:t>V.Shop</a:t>
+              <a:t>V.Eloquent</a:t>
             </a:r>
             <a:endParaRPr lang="fr-FR" dirty="0"/>
           </a:p>
@@ -7533,7 +7896,7 @@
             <a:pPr algn="ctr"/>
             <a:r>
               <a:rPr lang="fr-FR" dirty="0" err="1"/>
-              <a:t>VI.Api</a:t>
+              <a:t>VI.Blade</a:t>
             </a:r>
             <a:endParaRPr lang="fr-FR" dirty="0"/>
           </a:p>
@@ -7634,7 +7997,7 @@
             <a:pPr algn="ctr"/>
             <a:r>
               <a:rPr lang="fr-FR" dirty="0" err="1"/>
-              <a:t>VII.Demonstration</a:t>
+              <a:t>VII.Middleware</a:t>
             </a:r>
             <a:endParaRPr lang="fr-FR" dirty="0"/>
           </a:p>

--- a/ressources/diapo projet.pptx
+++ b/ressources/diapo projet.pptx
@@ -210,7 +210,7 @@
           <a:p>
             <a:fld id="{CB0608E6-8ED5-4503-9DCF-E2984D58EAAC}" type="datetimeFigureOut">
               <a:rPr lang="fr-FR" smtClean="0"/>
-              <a:t>29/01/2019</a:t>
+              <a:t>30/01/2019</a:t>
             </a:fld>
             <a:endParaRPr lang="fr-FR"/>
           </a:p>
@@ -1283,7 +1283,7 @@
           <a:p>
             <a:fld id="{0679A05B-1A46-4752-9FD0-4D18E9F4738C}" type="datetimeFigureOut">
               <a:rPr lang="fr-FR" smtClean="0"/>
-              <a:t>29/01/2019</a:t>
+              <a:t>30/01/2019</a:t>
             </a:fld>
             <a:endParaRPr lang="fr-FR"/>
           </a:p>
@@ -1534,7 +1534,7 @@
           <a:p>
             <a:fld id="{0679A05B-1A46-4752-9FD0-4D18E9F4738C}" type="datetimeFigureOut">
               <a:rPr lang="fr-FR" smtClean="0"/>
-              <a:t>29/01/2019</a:t>
+              <a:t>30/01/2019</a:t>
             </a:fld>
             <a:endParaRPr lang="fr-FR"/>
           </a:p>
@@ -1848,7 +1848,7 @@
           <a:p>
             <a:fld id="{0679A05B-1A46-4752-9FD0-4D18E9F4738C}" type="datetimeFigureOut">
               <a:rPr lang="fr-FR" smtClean="0"/>
-              <a:t>29/01/2019</a:t>
+              <a:t>30/01/2019</a:t>
             </a:fld>
             <a:endParaRPr lang="fr-FR"/>
           </a:p>
@@ -2189,7 +2189,7 @@
           <a:p>
             <a:fld id="{0679A05B-1A46-4752-9FD0-4D18E9F4738C}" type="datetimeFigureOut">
               <a:rPr lang="fr-FR" smtClean="0"/>
-              <a:t>29/01/2019</a:t>
+              <a:t>30/01/2019</a:t>
             </a:fld>
             <a:endParaRPr lang="fr-FR"/>
           </a:p>
@@ -2503,7 +2503,7 @@
           <a:p>
             <a:fld id="{0679A05B-1A46-4752-9FD0-4D18E9F4738C}" type="datetimeFigureOut">
               <a:rPr lang="fr-FR" smtClean="0"/>
-              <a:t>29/01/2019</a:t>
+              <a:t>30/01/2019</a:t>
             </a:fld>
             <a:endParaRPr lang="fr-FR"/>
           </a:p>
@@ -2896,7 +2896,7 @@
           <a:p>
             <a:fld id="{0679A05B-1A46-4752-9FD0-4D18E9F4738C}" type="datetimeFigureOut">
               <a:rPr lang="fr-FR" smtClean="0"/>
-              <a:t>29/01/2019</a:t>
+              <a:t>30/01/2019</a:t>
             </a:fld>
             <a:endParaRPr lang="fr-FR"/>
           </a:p>
@@ -3066,7 +3066,7 @@
           <a:p>
             <a:fld id="{0679A05B-1A46-4752-9FD0-4D18E9F4738C}" type="datetimeFigureOut">
               <a:rPr lang="fr-FR" smtClean="0"/>
-              <a:t>29/01/2019</a:t>
+              <a:t>30/01/2019</a:t>
             </a:fld>
             <a:endParaRPr lang="fr-FR"/>
           </a:p>
@@ -3246,7 +3246,7 @@
           <a:p>
             <a:fld id="{0679A05B-1A46-4752-9FD0-4D18E9F4738C}" type="datetimeFigureOut">
               <a:rPr lang="fr-FR" smtClean="0"/>
-              <a:t>29/01/2019</a:t>
+              <a:t>30/01/2019</a:t>
             </a:fld>
             <a:endParaRPr lang="fr-FR"/>
           </a:p>
@@ -3422,7 +3422,7 @@
           <a:p>
             <a:fld id="{0679A05B-1A46-4752-9FD0-4D18E9F4738C}" type="datetimeFigureOut">
               <a:rPr lang="fr-FR" smtClean="0"/>
-              <a:t>29/01/2019</a:t>
+              <a:t>30/01/2019</a:t>
             </a:fld>
             <a:endParaRPr lang="fr-FR"/>
           </a:p>
@@ -3669,7 +3669,7 @@
           <a:p>
             <a:fld id="{0679A05B-1A46-4752-9FD0-4D18E9F4738C}" type="datetimeFigureOut">
               <a:rPr lang="fr-FR" smtClean="0"/>
-              <a:t>29/01/2019</a:t>
+              <a:t>30/01/2019</a:t>
             </a:fld>
             <a:endParaRPr lang="fr-FR"/>
           </a:p>
@@ -3901,7 +3901,7 @@
           <a:p>
             <a:fld id="{0679A05B-1A46-4752-9FD0-4D18E9F4738C}" type="datetimeFigureOut">
               <a:rPr lang="fr-FR" smtClean="0"/>
-              <a:t>29/01/2019</a:t>
+              <a:t>30/01/2019</a:t>
             </a:fld>
             <a:endParaRPr lang="fr-FR"/>
           </a:p>
@@ -4275,7 +4275,7 @@
           <a:p>
             <a:fld id="{0679A05B-1A46-4752-9FD0-4D18E9F4738C}" type="datetimeFigureOut">
               <a:rPr lang="fr-FR" smtClean="0"/>
-              <a:t>29/01/2019</a:t>
+              <a:t>30/01/2019</a:t>
             </a:fld>
             <a:endParaRPr lang="fr-FR"/>
           </a:p>
@@ -4398,7 +4398,7 @@
           <a:p>
             <a:fld id="{0679A05B-1A46-4752-9FD0-4D18E9F4738C}" type="datetimeFigureOut">
               <a:rPr lang="fr-FR" smtClean="0"/>
-              <a:t>29/01/2019</a:t>
+              <a:t>30/01/2019</a:t>
             </a:fld>
             <a:endParaRPr lang="fr-FR"/>
           </a:p>
@@ -4493,7 +4493,7 @@
           <a:p>
             <a:fld id="{0679A05B-1A46-4752-9FD0-4D18E9F4738C}" type="datetimeFigureOut">
               <a:rPr lang="fr-FR" smtClean="0"/>
-              <a:t>29/01/2019</a:t>
+              <a:t>30/01/2019</a:t>
             </a:fld>
             <a:endParaRPr lang="fr-FR"/>
           </a:p>
@@ -4748,7 +4748,7 @@
           <a:p>
             <a:fld id="{0679A05B-1A46-4752-9FD0-4D18E9F4738C}" type="datetimeFigureOut">
               <a:rPr lang="fr-FR" smtClean="0"/>
-              <a:t>29/01/2019</a:t>
+              <a:t>30/01/2019</a:t>
             </a:fld>
             <a:endParaRPr lang="fr-FR"/>
           </a:p>
@@ -5011,7 +5011,7 @@
           <a:p>
             <a:fld id="{0679A05B-1A46-4752-9FD0-4D18E9F4738C}" type="datetimeFigureOut">
               <a:rPr lang="fr-FR" smtClean="0"/>
-              <a:t>29/01/2019</a:t>
+              <a:t>30/01/2019</a:t>
             </a:fld>
             <a:endParaRPr lang="fr-FR"/>
           </a:p>
@@ -5754,7 +5754,7 @@
           <a:p>
             <a:fld id="{0679A05B-1A46-4752-9FD0-4D18E9F4738C}" type="datetimeFigureOut">
               <a:rPr lang="fr-FR" smtClean="0"/>
-              <a:t>29/01/2019</a:t>
+              <a:t>30/01/2019</a:t>
             </a:fld>
             <a:endParaRPr lang="fr-FR"/>
           </a:p>
@@ -6724,6 +6724,77 @@
           </a:p>
         </p:txBody>
       </p:sp>
+      <p:pic>
+        <p:nvPicPr>
+          <p:cNvPr id="4" name="Image 3" descr="Une image contenant objet&#10;&#10;Description générée automatiquement">
+            <a:extLst>
+              <a:ext uri="{FF2B5EF4-FFF2-40B4-BE49-F238E27FC236}">
+                <a16:creationId xmlns:a16="http://schemas.microsoft.com/office/drawing/2014/main" id="{2A4D6059-5AED-42E7-89B7-E430480E7F21}"/>
+              </a:ext>
+            </a:extLst>
+          </p:cNvPr>
+          <p:cNvPicPr>
+            <a:picLocks noChangeAspect="1"/>
+          </p:cNvPicPr>
+          <p:nvPr/>
+        </p:nvPicPr>
+        <p:blipFill>
+          <a:blip r:embed="rId3">
+            <a:extLst>
+              <a:ext uri="{28A0092B-C50C-407E-A947-70E740481C1C}">
+                <a14:useLocalDpi xmlns:a14="http://schemas.microsoft.com/office/drawing/2010/main" val="0"/>
+              </a:ext>
+            </a:extLst>
+          </a:blip>
+          <a:stretch>
+            <a:fillRect/>
+          </a:stretch>
+        </p:blipFill>
+        <p:spPr>
+          <a:xfrm>
+            <a:off x="2108079" y="3004039"/>
+            <a:ext cx="6318504" cy="1600200"/>
+          </a:xfrm>
+          <a:prstGeom prst="rect">
+            <a:avLst/>
+          </a:prstGeom>
+        </p:spPr>
+      </p:pic>
+      <p:sp>
+        <p:nvSpPr>
+          <p:cNvPr id="5" name="ZoneTexte 4">
+            <a:extLst>
+              <a:ext uri="{FF2B5EF4-FFF2-40B4-BE49-F238E27FC236}">
+                <a16:creationId xmlns:a16="http://schemas.microsoft.com/office/drawing/2014/main" id="{D024FF67-6A21-4764-A561-289DAAEC40E5}"/>
+              </a:ext>
+            </a:extLst>
+          </p:cNvPr>
+          <p:cNvSpPr txBox="1"/>
+          <p:nvPr/>
+        </p:nvSpPr>
+        <p:spPr>
+          <a:xfrm>
+            <a:off x="6527444" y="1930400"/>
+            <a:ext cx="3798277" cy="369332"/>
+          </a:xfrm>
+          <a:prstGeom prst="rect">
+            <a:avLst/>
+          </a:prstGeom>
+          <a:noFill/>
+        </p:spPr>
+        <p:txBody>
+          <a:bodyPr wrap="square" rtlCol="0">
+            <a:spAutoFit/>
+          </a:bodyPr>
+          <a:lstStyle/>
+          <a:p>
+            <a:r>
+              <a:rPr lang="fr-FR" dirty="0"/>
+              <a:t>Application Programming Interface</a:t>
+            </a:r>
+          </a:p>
+        </p:txBody>
+      </p:sp>
     </p:spTree>
     <p:extLst>
       <p:ext uri="{BB962C8B-B14F-4D97-AF65-F5344CB8AC3E}">
@@ -6824,6 +6895,74 @@
           </a:p>
         </p:txBody>
       </p:sp>
+      <p:pic>
+        <p:nvPicPr>
+          <p:cNvPr id="4" name="Image 3">
+            <a:extLst>
+              <a:ext uri="{FF2B5EF4-FFF2-40B4-BE49-F238E27FC236}">
+                <a16:creationId xmlns:a16="http://schemas.microsoft.com/office/drawing/2014/main" id="{FE547912-B1EB-4966-B0C7-C93A0301C228}"/>
+              </a:ext>
+            </a:extLst>
+          </p:cNvPr>
+          <p:cNvPicPr/>
+          <p:nvPr/>
+        </p:nvPicPr>
+        <p:blipFill>
+          <a:blip r:embed="rId3" cstate="print">
+            <a:extLst>
+              <a:ext uri="{28A0092B-C50C-407E-A947-70E740481C1C}">
+                <a14:useLocalDpi xmlns:a14="http://schemas.microsoft.com/office/drawing/2010/main" val="0"/>
+              </a:ext>
+            </a:extLst>
+          </a:blip>
+          <a:stretch>
+            <a:fillRect/>
+          </a:stretch>
+        </p:blipFill>
+        <p:spPr>
+          <a:xfrm>
+            <a:off x="428593" y="1955467"/>
+            <a:ext cx="4166853" cy="2972134"/>
+          </a:xfrm>
+          <a:prstGeom prst="rect">
+            <a:avLst/>
+          </a:prstGeom>
+        </p:spPr>
+      </p:pic>
+      <p:pic>
+        <p:nvPicPr>
+          <p:cNvPr id="5" name="Image 4">
+            <a:extLst>
+              <a:ext uri="{FF2B5EF4-FFF2-40B4-BE49-F238E27FC236}">
+                <a16:creationId xmlns:a16="http://schemas.microsoft.com/office/drawing/2014/main" id="{6F0B8E9F-FE34-4F88-AC23-EB1088C8159D}"/>
+              </a:ext>
+            </a:extLst>
+          </p:cNvPr>
+          <p:cNvPicPr/>
+          <p:nvPr/>
+        </p:nvPicPr>
+        <p:blipFill>
+          <a:blip r:embed="rId4" cstate="print">
+            <a:extLst>
+              <a:ext uri="{28A0092B-C50C-407E-A947-70E740481C1C}">
+                <a14:useLocalDpi xmlns:a14="http://schemas.microsoft.com/office/drawing/2010/main" val="0"/>
+              </a:ext>
+            </a:extLst>
+          </a:blip>
+          <a:stretch>
+            <a:fillRect/>
+          </a:stretch>
+        </p:blipFill>
+        <p:spPr>
+          <a:xfrm>
+            <a:off x="4976019" y="1955467"/>
+            <a:ext cx="4298156" cy="2972134"/>
+          </a:xfrm>
+          <a:prstGeom prst="rect">
+            <a:avLst/>
+          </a:prstGeom>
+        </p:spPr>
+      </p:pic>
     </p:spTree>
     <p:extLst>
       <p:ext uri="{BB962C8B-B14F-4D97-AF65-F5344CB8AC3E}">
@@ -6981,9 +7120,10 @@
           <a:lstStyle/>
           <a:p>
             <a:r>
-              <a:rPr lang="fr-FR" dirty="0"/>
-              <a:t>Sommaire</a:t>
-            </a:r>
+              <a:rPr lang="fr-FR" dirty="0" err="1"/>
+              <a:t>Summary</a:t>
+            </a:r>
+            <a:endParaRPr lang="fr-FR" dirty="0"/>
           </a:p>
         </p:txBody>
       </p:sp>

--- a/ressources/diapo projet.pptx
+++ b/ressources/diapo projet.pptx
@@ -6515,10 +6515,9 @@
           <a:p>
             <a:pPr algn="ctr"/>
             <a:r>
-              <a:rPr lang="fr-FR" dirty="0" err="1"/>
-              <a:t>VIII.Ressources</a:t>
-            </a:r>
-            <a:endParaRPr lang="fr-FR" dirty="0"/>
+              <a:rPr lang="fr-FR" dirty="0"/>
+              <a:t>VIII. Ressources</a:t>
+            </a:r>
           </a:p>
         </p:txBody>
       </p:sp>
@@ -6623,6 +6622,42 @@
           </a:p>
         </p:txBody>
       </p:sp>
+      <p:pic>
+        <p:nvPicPr>
+          <p:cNvPr id="4" name="Image 3" descr="Une image contenant ciel&#10;&#10;Description générée automatiquement">
+            <a:extLst>
+              <a:ext uri="{FF2B5EF4-FFF2-40B4-BE49-F238E27FC236}">
+                <a16:creationId xmlns:a16="http://schemas.microsoft.com/office/drawing/2014/main" id="{7219D9C6-BBB0-43B2-A477-292804E63472}"/>
+              </a:ext>
+            </a:extLst>
+          </p:cNvPr>
+          <p:cNvPicPr>
+            <a:picLocks noChangeAspect="1"/>
+          </p:cNvPicPr>
+          <p:nvPr/>
+        </p:nvPicPr>
+        <p:blipFill>
+          <a:blip r:embed="rId3">
+            <a:extLst>
+              <a:ext uri="{28A0092B-C50C-407E-A947-70E740481C1C}">
+                <a14:useLocalDpi xmlns:a14="http://schemas.microsoft.com/office/drawing/2010/main" val="0"/>
+              </a:ext>
+            </a:extLst>
+          </a:blip>
+          <a:stretch>
+            <a:fillRect/>
+          </a:stretch>
+        </p:blipFill>
+        <p:spPr>
+          <a:xfrm>
+            <a:off x="2917825" y="1930400"/>
+            <a:ext cx="5384369" cy="3957913"/>
+          </a:xfrm>
+          <a:prstGeom prst="rect">
+            <a:avLst/>
+          </a:prstGeom>
+        </p:spPr>
+      </p:pic>
     </p:spTree>
     <p:extLst>
       <p:ext uri="{BB962C8B-B14F-4D97-AF65-F5344CB8AC3E}">
@@ -7661,10 +7696,9 @@
           <a:p>
             <a:pPr algn="ctr"/>
             <a:r>
-              <a:rPr lang="fr-FR" dirty="0" err="1"/>
-              <a:t>III.Laravel</a:t>
-            </a:r>
-            <a:endParaRPr lang="fr-FR" dirty="0"/>
+              <a:rPr lang="fr-FR" dirty="0"/>
+              <a:t>III. Laravel</a:t>
+            </a:r>
           </a:p>
         </p:txBody>
       </p:sp>
@@ -7698,6 +7732,42 @@
           <a:xfrm>
             <a:off x="9892748" y="5484743"/>
             <a:ext cx="2034209" cy="1144243"/>
+          </a:xfrm>
+          <a:prstGeom prst="rect">
+            <a:avLst/>
+          </a:prstGeom>
+        </p:spPr>
+      </p:pic>
+      <p:pic>
+        <p:nvPicPr>
+          <p:cNvPr id="9" name="Image 8">
+            <a:extLst>
+              <a:ext uri="{FF2B5EF4-FFF2-40B4-BE49-F238E27FC236}">
+                <a16:creationId xmlns:a16="http://schemas.microsoft.com/office/drawing/2014/main" id="{E84FF93F-A429-4F6B-939B-760AF16D6267}"/>
+              </a:ext>
+            </a:extLst>
+          </p:cNvPr>
+          <p:cNvPicPr>
+            <a:picLocks noChangeAspect="1"/>
+          </p:cNvPicPr>
+          <p:nvPr/>
+        </p:nvPicPr>
+        <p:blipFill>
+          <a:blip r:embed="rId3">
+            <a:extLst>
+              <a:ext uri="{28A0092B-C50C-407E-A947-70E740481C1C}">
+                <a14:useLocalDpi xmlns:a14="http://schemas.microsoft.com/office/drawing/2010/main" val="0"/>
+              </a:ext>
+            </a:extLst>
+          </a:blip>
+          <a:stretch>
+            <a:fillRect/>
+          </a:stretch>
+        </p:blipFill>
+        <p:spPr>
+          <a:xfrm>
+            <a:off x="2845231" y="1647092"/>
+            <a:ext cx="5771272" cy="3206262"/>
           </a:xfrm>
           <a:prstGeom prst="rect">
             <a:avLst/>
@@ -7941,6 +8011,71 @@
           </a:prstGeom>
         </p:spPr>
       </p:pic>
+      <p:sp>
+        <p:nvSpPr>
+          <p:cNvPr id="2" name="ZoneTexte 1">
+            <a:extLst>
+              <a:ext uri="{FF2B5EF4-FFF2-40B4-BE49-F238E27FC236}">
+                <a16:creationId xmlns:a16="http://schemas.microsoft.com/office/drawing/2014/main" id="{53E8D0AE-28E4-4C62-9301-A1D05C835E25}"/>
+              </a:ext>
+            </a:extLst>
+          </p:cNvPr>
+          <p:cNvSpPr txBox="1"/>
+          <p:nvPr/>
+        </p:nvSpPr>
+        <p:spPr>
+          <a:xfrm>
+            <a:off x="4251159" y="1972851"/>
+            <a:ext cx="7240964" cy="3385542"/>
+          </a:xfrm>
+          <a:prstGeom prst="rect">
+            <a:avLst/>
+          </a:prstGeom>
+          <a:noFill/>
+        </p:spPr>
+        <p:txBody>
+          <a:bodyPr wrap="square" rtlCol="0">
+            <a:spAutoFit/>
+          </a:bodyPr>
+          <a:lstStyle/>
+          <a:p>
+            <a:r>
+              <a:rPr lang="fr-FR" sz="2800" dirty="0"/>
+              <a:t>I. ORM </a:t>
+            </a:r>
+          </a:p>
+          <a:p>
+            <a:endParaRPr lang="fr-FR" sz="2800" dirty="0"/>
+          </a:p>
+          <a:p>
+            <a:r>
+              <a:rPr lang="fr-FR" sz="2800" dirty="0"/>
+              <a:t>a. Migration</a:t>
+            </a:r>
+          </a:p>
+          <a:p>
+            <a:endParaRPr lang="fr-FR" sz="2800" dirty="0"/>
+          </a:p>
+          <a:p>
+            <a:r>
+              <a:rPr lang="fr-FR" sz="2800" dirty="0"/>
+              <a:t>b. Model </a:t>
+            </a:r>
+          </a:p>
+          <a:p>
+            <a:endParaRPr lang="fr-FR" sz="2800" dirty="0"/>
+          </a:p>
+          <a:p>
+            <a:r>
+              <a:rPr lang="fr-FR" sz="2800" dirty="0"/>
+              <a:t>c. Query</a:t>
+            </a:r>
+          </a:p>
+          <a:p>
+            <a:endParaRPr lang="fr-FR" dirty="0"/>
+          </a:p>
+        </p:txBody>
+      </p:sp>
     </p:spTree>
     <p:extLst>
       <p:ext uri="{BB962C8B-B14F-4D97-AF65-F5344CB8AC3E}">
@@ -8042,6 +8177,41 @@
           </a:p>
         </p:txBody>
       </p:sp>
+      <p:pic>
+        <p:nvPicPr>
+          <p:cNvPr id="7" name="Image 6" descr="Une image contenant clipart&#10;&#10;Description générée automatiquement">
+            <a:extLst>
+              <a:ext uri="{FF2B5EF4-FFF2-40B4-BE49-F238E27FC236}">
+                <a16:creationId xmlns:a16="http://schemas.microsoft.com/office/drawing/2014/main" id="{AF78108E-E4C0-4176-9723-E36E7218D816}"/>
+              </a:ext>
+            </a:extLst>
+          </p:cNvPr>
+          <p:cNvPicPr>
+            <a:picLocks noChangeAspect="1"/>
+          </p:cNvPicPr>
+          <p:nvPr/>
+        </p:nvPicPr>
+        <p:blipFill rotWithShape="1">
+          <a:blip r:embed="rId3">
+            <a:extLst>
+              <a:ext uri="{28A0092B-C50C-407E-A947-70E740481C1C}">
+                <a14:useLocalDpi xmlns:a14="http://schemas.microsoft.com/office/drawing/2010/main" val="0"/>
+              </a:ext>
+            </a:extLst>
+          </a:blip>
+          <a:srcRect l="31731" t="2124" r="27500"/>
+          <a:stretch/>
+        </p:blipFill>
+        <p:spPr>
+          <a:xfrm>
+            <a:off x="3235568" y="1930400"/>
+            <a:ext cx="4970585" cy="3063683"/>
+          </a:xfrm>
+          <a:prstGeom prst="rect">
+            <a:avLst/>
+          </a:prstGeom>
+        </p:spPr>
+      </p:pic>
     </p:spTree>
     <p:extLst>
       <p:ext uri="{BB962C8B-B14F-4D97-AF65-F5344CB8AC3E}">
@@ -8136,13 +8306,48 @@
           <a:p>
             <a:pPr algn="ctr"/>
             <a:r>
-              <a:rPr lang="fr-FR" dirty="0" err="1"/>
-              <a:t>VII.Middleware</a:t>
-            </a:r>
-            <a:endParaRPr lang="fr-FR" dirty="0"/>
-          </a:p>
-        </p:txBody>
-      </p:sp>
+              <a:rPr lang="fr-FR" dirty="0"/>
+              <a:t>VII. Middleware</a:t>
+            </a:r>
+          </a:p>
+        </p:txBody>
+      </p:sp>
+      <p:pic>
+        <p:nvPicPr>
+          <p:cNvPr id="4" name="Image 3">
+            <a:extLst>
+              <a:ext uri="{FF2B5EF4-FFF2-40B4-BE49-F238E27FC236}">
+                <a16:creationId xmlns:a16="http://schemas.microsoft.com/office/drawing/2014/main" id="{6234D10E-7D77-4FA6-B431-870FADDC901F}"/>
+              </a:ext>
+            </a:extLst>
+          </p:cNvPr>
+          <p:cNvPicPr>
+            <a:picLocks noChangeAspect="1"/>
+          </p:cNvPicPr>
+          <p:nvPr/>
+        </p:nvPicPr>
+        <p:blipFill>
+          <a:blip r:embed="rId3">
+            <a:extLst>
+              <a:ext uri="{28A0092B-C50C-407E-A947-70E740481C1C}">
+                <a14:useLocalDpi xmlns:a14="http://schemas.microsoft.com/office/drawing/2010/main" val="0"/>
+              </a:ext>
+            </a:extLst>
+          </a:blip>
+          <a:stretch>
+            <a:fillRect/>
+          </a:stretch>
+        </p:blipFill>
+        <p:spPr>
+          <a:xfrm>
+            <a:off x="2237581" y="1819031"/>
+            <a:ext cx="6745010" cy="3108570"/>
+          </a:xfrm>
+          <a:prstGeom prst="rect">
+            <a:avLst/>
+          </a:prstGeom>
+        </p:spPr>
+      </p:pic>
     </p:spTree>
     <p:extLst>
       <p:ext uri="{BB962C8B-B14F-4D97-AF65-F5344CB8AC3E}">
